--- a/tutorial.pptx
+++ b/tutorial.pptx
@@ -2,12 +2,12 @@
 <file path=ppt/presentation.xml><?xml version="1.0" encoding="utf-8"?>
 <p:presentation xmlns:a="http://schemas.openxmlformats.org/drawingml/2006/main" xmlns:r="http://schemas.openxmlformats.org/officeDocument/2006/relationships" xmlns:p="http://schemas.openxmlformats.org/presentationml/2006/main" saveSubsetFonts="1">
   <p:sldMasterIdLst>
-    <p:sldMasterId id="2147483660" r:id="rId1"/>
+    <p:sldMasterId id="2147483672" r:id="rId1"/>
   </p:sldMasterIdLst>
   <p:sldIdLst>
-    <p:sldId id="256" r:id="rId2"/>
+    <p:sldId id="258" r:id="rId2"/>
   </p:sldIdLst>
-  <p:sldSz cx="4956175" cy="3319463"/>
+  <p:sldSz cx="4956175" cy="2925763"/>
   <p:notesSz cx="6858000" cy="9144000"/>
   <p:defaultTextStyle>
     <a:defPPr>
@@ -104,6 +104,11 @@
       </a:defRPr>
     </a:lvl9pPr>
   </p:defaultTextStyle>
+  <p:extLst>
+    <p:ext uri="{EFAFB233-063F-42B5-8137-9DF3F51BA10A}">
+      <p15:sldGuideLst xmlns:p15="http://schemas.microsoft.com/office/powerpoint/2012/main"/>
+    </p:ext>
+  </p:extLst>
 </p:presentation>
 </file>
 
@@ -136,15 +141,15 @@
         </p:nvSpPr>
         <p:spPr>
           <a:xfrm>
-            <a:off x="371713" y="543255"/>
-            <a:ext cx="4212749" cy="1155665"/>
+            <a:off x="619522" y="478823"/>
+            <a:ext cx="3717131" cy="1018599"/>
           </a:xfrm>
         </p:spPr>
         <p:txBody>
           <a:bodyPr anchor="b"/>
           <a:lstStyle>
             <a:lvl1pPr algn="ctr">
-              <a:defRPr sz="2904"/>
+              <a:defRPr sz="2439"/>
             </a:lvl1pPr>
           </a:lstStyle>
           <a:p>
@@ -168,8 +173,8 @@
         </p:nvSpPr>
         <p:spPr>
           <a:xfrm>
-            <a:off x="619522" y="1743487"/>
-            <a:ext cx="3717131" cy="801435"/>
+            <a:off x="619522" y="1536703"/>
+            <a:ext cx="3717131" cy="706382"/>
           </a:xfrm>
         </p:spPr>
         <p:txBody>
@@ -177,39 +182,39 @@
           <a:lstStyle>
             <a:lvl1pPr marL="0" indent="0" algn="ctr">
               <a:buNone/>
-              <a:defRPr sz="1162"/>
+              <a:defRPr sz="976"/>
             </a:lvl1pPr>
-            <a:lvl2pPr marL="221285" indent="0" algn="ctr">
-              <a:buNone/>
-              <a:defRPr sz="968"/>
+            <a:lvl2pPr marL="185852" indent="0" algn="ctr">
+              <a:buNone/>
+              <a:defRPr sz="813"/>
             </a:lvl2pPr>
-            <a:lvl3pPr marL="442570" indent="0" algn="ctr">
-              <a:buNone/>
-              <a:defRPr sz="871"/>
+            <a:lvl3pPr marL="371704" indent="0" algn="ctr">
+              <a:buNone/>
+              <a:defRPr sz="732"/>
             </a:lvl3pPr>
-            <a:lvl4pPr marL="663854" indent="0" algn="ctr">
-              <a:buNone/>
-              <a:defRPr sz="774"/>
+            <a:lvl4pPr marL="557555" indent="0" algn="ctr">
+              <a:buNone/>
+              <a:defRPr sz="650"/>
             </a:lvl4pPr>
-            <a:lvl5pPr marL="885139" indent="0" algn="ctr">
-              <a:buNone/>
-              <a:defRPr sz="774"/>
+            <a:lvl5pPr marL="743407" indent="0" algn="ctr">
+              <a:buNone/>
+              <a:defRPr sz="650"/>
             </a:lvl5pPr>
-            <a:lvl6pPr marL="1106424" indent="0" algn="ctr">
-              <a:buNone/>
-              <a:defRPr sz="774"/>
+            <a:lvl6pPr marL="929259" indent="0" algn="ctr">
+              <a:buNone/>
+              <a:defRPr sz="650"/>
             </a:lvl6pPr>
-            <a:lvl7pPr marL="1327709" indent="0" algn="ctr">
-              <a:buNone/>
-              <a:defRPr sz="774"/>
+            <a:lvl7pPr marL="1115111" indent="0" algn="ctr">
+              <a:buNone/>
+              <a:defRPr sz="650"/>
             </a:lvl7pPr>
-            <a:lvl8pPr marL="1548994" indent="0" algn="ctr">
-              <a:buNone/>
-              <a:defRPr sz="774"/>
+            <a:lvl8pPr marL="1300963" indent="0" algn="ctr">
+              <a:buNone/>
+              <a:defRPr sz="650"/>
             </a:lvl8pPr>
-            <a:lvl9pPr marL="1770278" indent="0" algn="ctr">
-              <a:buNone/>
-              <a:defRPr sz="774"/>
+            <a:lvl9pPr marL="1486814" indent="0" algn="ctr">
+              <a:buNone/>
+              <a:defRPr sz="650"/>
             </a:lvl9pPr>
           </a:lstStyle>
           <a:p>
@@ -238,7 +243,7 @@
           <a:p>
             <a:fld id="{9643A371-6A82-48AF-B1C0-FEA4CD1D8C64}" type="datetimeFigureOut">
               <a:rPr lang="en-US" smtClean="0"/>
-              <a:t>3/9/2023</a:t>
+              <a:t>3/10/2023</a:t>
             </a:fld>
             <a:endParaRPr lang="en-US"/>
           </a:p>
@@ -289,7 +294,7 @@
     </p:spTree>
     <p:extLst>
       <p:ext uri="{BB962C8B-B14F-4D97-AF65-F5344CB8AC3E}">
-        <p14:creationId xmlns:p14="http://schemas.microsoft.com/office/powerpoint/2010/main" val="355251504"/>
+        <p14:creationId xmlns:p14="http://schemas.microsoft.com/office/powerpoint/2010/main" val="2500045496"/>
       </p:ext>
     </p:extLst>
   </p:cSld>
@@ -408,7 +413,7 @@
           <a:p>
             <a:fld id="{9643A371-6A82-48AF-B1C0-FEA4CD1D8C64}" type="datetimeFigureOut">
               <a:rPr lang="en-US" smtClean="0"/>
-              <a:t>3/9/2023</a:t>
+              <a:t>3/10/2023</a:t>
             </a:fld>
             <a:endParaRPr lang="en-US"/>
           </a:p>
@@ -459,7 +464,7 @@
     </p:spTree>
     <p:extLst>
       <p:ext uri="{BB962C8B-B14F-4D97-AF65-F5344CB8AC3E}">
-        <p14:creationId xmlns:p14="http://schemas.microsoft.com/office/powerpoint/2010/main" val="1986125169"/>
+        <p14:creationId xmlns:p14="http://schemas.microsoft.com/office/powerpoint/2010/main" val="278935663"/>
       </p:ext>
     </p:extLst>
   </p:cSld>
@@ -498,8 +503,8 @@
         </p:nvSpPr>
         <p:spPr>
           <a:xfrm>
-            <a:off x="3546763" y="176731"/>
-            <a:ext cx="1068675" cy="2813091"/>
+            <a:off x="3546763" y="155770"/>
+            <a:ext cx="1068675" cy="2479449"/>
           </a:xfrm>
         </p:spPr>
         <p:txBody>
@@ -526,8 +531,8 @@
         </p:nvSpPr>
         <p:spPr>
           <a:xfrm>
-            <a:off x="340737" y="176731"/>
-            <a:ext cx="3144074" cy="2813091"/>
+            <a:off x="340737" y="155770"/>
+            <a:ext cx="3144074" cy="2479449"/>
           </a:xfrm>
         </p:spPr>
         <p:txBody>
@@ -588,7 +593,7 @@
           <a:p>
             <a:fld id="{9643A371-6A82-48AF-B1C0-FEA4CD1D8C64}" type="datetimeFigureOut">
               <a:rPr lang="en-US" smtClean="0"/>
-              <a:t>3/9/2023</a:t>
+              <a:t>3/10/2023</a:t>
             </a:fld>
             <a:endParaRPr lang="en-US"/>
           </a:p>
@@ -639,7 +644,7 @@
     </p:spTree>
     <p:extLst>
       <p:ext uri="{BB962C8B-B14F-4D97-AF65-F5344CB8AC3E}">
-        <p14:creationId xmlns:p14="http://schemas.microsoft.com/office/powerpoint/2010/main" val="2991938886"/>
+        <p14:creationId xmlns:p14="http://schemas.microsoft.com/office/powerpoint/2010/main" val="4205828325"/>
       </p:ext>
     </p:extLst>
   </p:cSld>
@@ -758,7 +763,7 @@
           <a:p>
             <a:fld id="{9643A371-6A82-48AF-B1C0-FEA4CD1D8C64}" type="datetimeFigureOut">
               <a:rPr lang="en-US" smtClean="0"/>
-              <a:t>3/9/2023</a:t>
+              <a:t>3/10/2023</a:t>
             </a:fld>
             <a:endParaRPr lang="en-US"/>
           </a:p>
@@ -809,7 +814,7 @@
     </p:spTree>
     <p:extLst>
       <p:ext uri="{BB962C8B-B14F-4D97-AF65-F5344CB8AC3E}">
-        <p14:creationId xmlns:p14="http://schemas.microsoft.com/office/powerpoint/2010/main" val="2058333029"/>
+        <p14:creationId xmlns:p14="http://schemas.microsoft.com/office/powerpoint/2010/main" val="2494557990"/>
       </p:ext>
     </p:extLst>
   </p:cSld>
@@ -848,15 +853,15 @@
         </p:nvSpPr>
         <p:spPr>
           <a:xfrm>
-            <a:off x="338156" y="827562"/>
-            <a:ext cx="4274701" cy="1380804"/>
+            <a:off x="338156" y="729409"/>
+            <a:ext cx="4274701" cy="1217036"/>
           </a:xfrm>
         </p:spPr>
         <p:txBody>
           <a:bodyPr anchor="b"/>
           <a:lstStyle>
             <a:lvl1pPr>
-              <a:defRPr sz="2904"/>
+              <a:defRPr sz="2439"/>
             </a:lvl1pPr>
           </a:lstStyle>
           <a:p>
@@ -880,8 +885,8 @@
         </p:nvSpPr>
         <p:spPr>
           <a:xfrm>
-            <a:off x="338156" y="2221429"/>
-            <a:ext cx="4274701" cy="726132"/>
+            <a:off x="338156" y="1957959"/>
+            <a:ext cx="4274701" cy="640010"/>
           </a:xfrm>
         </p:spPr>
         <p:txBody>
@@ -889,15 +894,17 @@
           <a:lstStyle>
             <a:lvl1pPr marL="0" indent="0">
               <a:buNone/>
-              <a:defRPr sz="1162">
+              <a:defRPr sz="976">
                 <a:solidFill>
-                  <a:schemeClr val="tx1"/>
+                  <a:schemeClr val="tx1">
+                    <a:tint val="75000"/>
+                  </a:schemeClr>
                 </a:solidFill>
               </a:defRPr>
             </a:lvl1pPr>
-            <a:lvl2pPr marL="221285" indent="0">
-              <a:buNone/>
-              <a:defRPr sz="968">
+            <a:lvl2pPr marL="185852" indent="0">
+              <a:buNone/>
+              <a:defRPr sz="813">
                 <a:solidFill>
                   <a:schemeClr val="tx1">
                     <a:tint val="75000"/>
@@ -905,9 +912,9 @@
                 </a:solidFill>
               </a:defRPr>
             </a:lvl2pPr>
-            <a:lvl3pPr marL="442570" indent="0">
-              <a:buNone/>
-              <a:defRPr sz="871">
+            <a:lvl3pPr marL="371704" indent="0">
+              <a:buNone/>
+              <a:defRPr sz="732">
                 <a:solidFill>
                   <a:schemeClr val="tx1">
                     <a:tint val="75000"/>
@@ -915,9 +922,9 @@
                 </a:solidFill>
               </a:defRPr>
             </a:lvl3pPr>
-            <a:lvl4pPr marL="663854" indent="0">
-              <a:buNone/>
-              <a:defRPr sz="774">
+            <a:lvl4pPr marL="557555" indent="0">
+              <a:buNone/>
+              <a:defRPr sz="650">
                 <a:solidFill>
                   <a:schemeClr val="tx1">
                     <a:tint val="75000"/>
@@ -925,9 +932,9 @@
                 </a:solidFill>
               </a:defRPr>
             </a:lvl4pPr>
-            <a:lvl5pPr marL="885139" indent="0">
-              <a:buNone/>
-              <a:defRPr sz="774">
+            <a:lvl5pPr marL="743407" indent="0">
+              <a:buNone/>
+              <a:defRPr sz="650">
                 <a:solidFill>
                   <a:schemeClr val="tx1">
                     <a:tint val="75000"/>
@@ -935,9 +942,9 @@
                 </a:solidFill>
               </a:defRPr>
             </a:lvl5pPr>
-            <a:lvl6pPr marL="1106424" indent="0">
-              <a:buNone/>
-              <a:defRPr sz="774">
+            <a:lvl6pPr marL="929259" indent="0">
+              <a:buNone/>
+              <a:defRPr sz="650">
                 <a:solidFill>
                   <a:schemeClr val="tx1">
                     <a:tint val="75000"/>
@@ -945,9 +952,9 @@
                 </a:solidFill>
               </a:defRPr>
             </a:lvl6pPr>
-            <a:lvl7pPr marL="1327709" indent="0">
-              <a:buNone/>
-              <a:defRPr sz="774">
+            <a:lvl7pPr marL="1115111" indent="0">
+              <a:buNone/>
+              <a:defRPr sz="650">
                 <a:solidFill>
                   <a:schemeClr val="tx1">
                     <a:tint val="75000"/>
@@ -955,9 +962,9 @@
                 </a:solidFill>
               </a:defRPr>
             </a:lvl7pPr>
-            <a:lvl8pPr marL="1548994" indent="0">
-              <a:buNone/>
-              <a:defRPr sz="774">
+            <a:lvl8pPr marL="1300963" indent="0">
+              <a:buNone/>
+              <a:defRPr sz="650">
                 <a:solidFill>
                   <a:schemeClr val="tx1">
                     <a:tint val="75000"/>
@@ -965,9 +972,9 @@
                 </a:solidFill>
               </a:defRPr>
             </a:lvl8pPr>
-            <a:lvl9pPr marL="1770278" indent="0">
-              <a:buNone/>
-              <a:defRPr sz="774">
+            <a:lvl9pPr marL="1486814" indent="0">
+              <a:buNone/>
+              <a:defRPr sz="650">
                 <a:solidFill>
                   <a:schemeClr val="tx1">
                     <a:tint val="75000"/>
@@ -1002,7 +1009,7 @@
           <a:p>
             <a:fld id="{9643A371-6A82-48AF-B1C0-FEA4CD1D8C64}" type="datetimeFigureOut">
               <a:rPr lang="en-US" smtClean="0"/>
-              <a:t>3/9/2023</a:t>
+              <a:t>3/10/2023</a:t>
             </a:fld>
             <a:endParaRPr lang="en-US"/>
           </a:p>
@@ -1053,7 +1060,7 @@
     </p:spTree>
     <p:extLst>
       <p:ext uri="{BB962C8B-B14F-4D97-AF65-F5344CB8AC3E}">
-        <p14:creationId xmlns:p14="http://schemas.microsoft.com/office/powerpoint/2010/main" val="1503369088"/>
+        <p14:creationId xmlns:p14="http://schemas.microsoft.com/office/powerpoint/2010/main" val="756965689"/>
       </p:ext>
     </p:extLst>
   </p:cSld>
@@ -1115,8 +1122,8 @@
         </p:nvSpPr>
         <p:spPr>
           <a:xfrm>
-            <a:off x="340737" y="883653"/>
-            <a:ext cx="2106374" cy="2106169"/>
+            <a:off x="340737" y="778849"/>
+            <a:ext cx="2106374" cy="1856370"/>
           </a:xfrm>
         </p:spPr>
         <p:txBody>
@@ -1172,8 +1179,8 @@
         </p:nvSpPr>
         <p:spPr>
           <a:xfrm>
-            <a:off x="2509064" y="883653"/>
-            <a:ext cx="2106374" cy="2106169"/>
+            <a:off x="2509064" y="778849"/>
+            <a:ext cx="2106374" cy="1856370"/>
           </a:xfrm>
         </p:spPr>
         <p:txBody>
@@ -1234,7 +1241,7 @@
           <a:p>
             <a:fld id="{9643A371-6A82-48AF-B1C0-FEA4CD1D8C64}" type="datetimeFigureOut">
               <a:rPr lang="en-US" smtClean="0"/>
-              <a:t>3/9/2023</a:t>
+              <a:t>3/10/2023</a:t>
             </a:fld>
             <a:endParaRPr lang="en-US"/>
           </a:p>
@@ -1285,7 +1292,7 @@
     </p:spTree>
     <p:extLst>
       <p:ext uri="{BB962C8B-B14F-4D97-AF65-F5344CB8AC3E}">
-        <p14:creationId xmlns:p14="http://schemas.microsoft.com/office/powerpoint/2010/main" val="3719528079"/>
+        <p14:creationId xmlns:p14="http://schemas.microsoft.com/office/powerpoint/2010/main" val="433809815"/>
       </p:ext>
     </p:extLst>
   </p:cSld>
@@ -1324,8 +1331,8 @@
         </p:nvSpPr>
         <p:spPr>
           <a:xfrm>
-            <a:off x="341383" y="176732"/>
-            <a:ext cx="4274701" cy="641609"/>
+            <a:off x="341383" y="155770"/>
+            <a:ext cx="4274701" cy="565512"/>
           </a:xfrm>
         </p:spPr>
         <p:txBody>
@@ -1352,8 +1359,8 @@
         </p:nvSpPr>
         <p:spPr>
           <a:xfrm>
-            <a:off x="341383" y="813730"/>
-            <a:ext cx="2096694" cy="398796"/>
+            <a:off x="341383" y="717218"/>
+            <a:ext cx="2096694" cy="351498"/>
           </a:xfrm>
         </p:spPr>
         <p:txBody>
@@ -1361,39 +1368,39 @@
           <a:lstStyle>
             <a:lvl1pPr marL="0" indent="0">
               <a:buNone/>
-              <a:defRPr sz="1162" b="1"/>
+              <a:defRPr sz="976" b="1"/>
             </a:lvl1pPr>
-            <a:lvl2pPr marL="221285" indent="0">
-              <a:buNone/>
-              <a:defRPr sz="968" b="1"/>
+            <a:lvl2pPr marL="185852" indent="0">
+              <a:buNone/>
+              <a:defRPr sz="813" b="1"/>
             </a:lvl2pPr>
-            <a:lvl3pPr marL="442570" indent="0">
-              <a:buNone/>
-              <a:defRPr sz="871" b="1"/>
+            <a:lvl3pPr marL="371704" indent="0">
+              <a:buNone/>
+              <a:defRPr sz="732" b="1"/>
             </a:lvl3pPr>
-            <a:lvl4pPr marL="663854" indent="0">
-              <a:buNone/>
-              <a:defRPr sz="774" b="1"/>
+            <a:lvl4pPr marL="557555" indent="0">
+              <a:buNone/>
+              <a:defRPr sz="650" b="1"/>
             </a:lvl4pPr>
-            <a:lvl5pPr marL="885139" indent="0">
-              <a:buNone/>
-              <a:defRPr sz="774" b="1"/>
+            <a:lvl5pPr marL="743407" indent="0">
+              <a:buNone/>
+              <a:defRPr sz="650" b="1"/>
             </a:lvl5pPr>
-            <a:lvl6pPr marL="1106424" indent="0">
-              <a:buNone/>
-              <a:defRPr sz="774" b="1"/>
+            <a:lvl6pPr marL="929259" indent="0">
+              <a:buNone/>
+              <a:defRPr sz="650" b="1"/>
             </a:lvl6pPr>
-            <a:lvl7pPr marL="1327709" indent="0">
-              <a:buNone/>
-              <a:defRPr sz="774" b="1"/>
+            <a:lvl7pPr marL="1115111" indent="0">
+              <a:buNone/>
+              <a:defRPr sz="650" b="1"/>
             </a:lvl7pPr>
-            <a:lvl8pPr marL="1548994" indent="0">
-              <a:buNone/>
-              <a:defRPr sz="774" b="1"/>
+            <a:lvl8pPr marL="1300963" indent="0">
+              <a:buNone/>
+              <a:defRPr sz="650" b="1"/>
             </a:lvl8pPr>
-            <a:lvl9pPr marL="1770278" indent="0">
-              <a:buNone/>
-              <a:defRPr sz="774" b="1"/>
+            <a:lvl9pPr marL="1486814" indent="0">
+              <a:buNone/>
+              <a:defRPr sz="650" b="1"/>
             </a:lvl9pPr>
           </a:lstStyle>
           <a:p>
@@ -1417,8 +1424,8 @@
         </p:nvSpPr>
         <p:spPr>
           <a:xfrm>
-            <a:off x="341383" y="1212526"/>
-            <a:ext cx="2096694" cy="1783443"/>
+            <a:off x="341383" y="1068716"/>
+            <a:ext cx="2096694" cy="1571921"/>
           </a:xfrm>
         </p:spPr>
         <p:txBody>
@@ -1474,8 +1481,8 @@
         </p:nvSpPr>
         <p:spPr>
           <a:xfrm>
-            <a:off x="2509064" y="813730"/>
-            <a:ext cx="2107020" cy="398796"/>
+            <a:off x="2509064" y="717218"/>
+            <a:ext cx="2107020" cy="351498"/>
           </a:xfrm>
         </p:spPr>
         <p:txBody>
@@ -1483,39 +1490,39 @@
           <a:lstStyle>
             <a:lvl1pPr marL="0" indent="0">
               <a:buNone/>
-              <a:defRPr sz="1162" b="1"/>
+              <a:defRPr sz="976" b="1"/>
             </a:lvl1pPr>
-            <a:lvl2pPr marL="221285" indent="0">
-              <a:buNone/>
-              <a:defRPr sz="968" b="1"/>
+            <a:lvl2pPr marL="185852" indent="0">
+              <a:buNone/>
+              <a:defRPr sz="813" b="1"/>
             </a:lvl2pPr>
-            <a:lvl3pPr marL="442570" indent="0">
-              <a:buNone/>
-              <a:defRPr sz="871" b="1"/>
+            <a:lvl3pPr marL="371704" indent="0">
+              <a:buNone/>
+              <a:defRPr sz="732" b="1"/>
             </a:lvl3pPr>
-            <a:lvl4pPr marL="663854" indent="0">
-              <a:buNone/>
-              <a:defRPr sz="774" b="1"/>
+            <a:lvl4pPr marL="557555" indent="0">
+              <a:buNone/>
+              <a:defRPr sz="650" b="1"/>
             </a:lvl4pPr>
-            <a:lvl5pPr marL="885139" indent="0">
-              <a:buNone/>
-              <a:defRPr sz="774" b="1"/>
+            <a:lvl5pPr marL="743407" indent="0">
+              <a:buNone/>
+              <a:defRPr sz="650" b="1"/>
             </a:lvl5pPr>
-            <a:lvl6pPr marL="1106424" indent="0">
-              <a:buNone/>
-              <a:defRPr sz="774" b="1"/>
+            <a:lvl6pPr marL="929259" indent="0">
+              <a:buNone/>
+              <a:defRPr sz="650" b="1"/>
             </a:lvl6pPr>
-            <a:lvl7pPr marL="1327709" indent="0">
-              <a:buNone/>
-              <a:defRPr sz="774" b="1"/>
+            <a:lvl7pPr marL="1115111" indent="0">
+              <a:buNone/>
+              <a:defRPr sz="650" b="1"/>
             </a:lvl7pPr>
-            <a:lvl8pPr marL="1548994" indent="0">
-              <a:buNone/>
-              <a:defRPr sz="774" b="1"/>
+            <a:lvl8pPr marL="1300963" indent="0">
+              <a:buNone/>
+              <a:defRPr sz="650" b="1"/>
             </a:lvl8pPr>
-            <a:lvl9pPr marL="1770278" indent="0">
-              <a:buNone/>
-              <a:defRPr sz="774" b="1"/>
+            <a:lvl9pPr marL="1486814" indent="0">
+              <a:buNone/>
+              <a:defRPr sz="650" b="1"/>
             </a:lvl9pPr>
           </a:lstStyle>
           <a:p>
@@ -1539,8 +1546,8 @@
         </p:nvSpPr>
         <p:spPr>
           <a:xfrm>
-            <a:off x="2509064" y="1212526"/>
-            <a:ext cx="2107020" cy="1783443"/>
+            <a:off x="2509064" y="1068716"/>
+            <a:ext cx="2107020" cy="1571921"/>
           </a:xfrm>
         </p:spPr>
         <p:txBody>
@@ -1601,7 +1608,7 @@
           <a:p>
             <a:fld id="{9643A371-6A82-48AF-B1C0-FEA4CD1D8C64}" type="datetimeFigureOut">
               <a:rPr lang="en-US" smtClean="0"/>
-              <a:t>3/9/2023</a:t>
+              <a:t>3/10/2023</a:t>
             </a:fld>
             <a:endParaRPr lang="en-US"/>
           </a:p>
@@ -1652,7 +1659,7 @@
     </p:spTree>
     <p:extLst>
       <p:ext uri="{BB962C8B-B14F-4D97-AF65-F5344CB8AC3E}">
-        <p14:creationId xmlns:p14="http://schemas.microsoft.com/office/powerpoint/2010/main" val="253354361"/>
+        <p14:creationId xmlns:p14="http://schemas.microsoft.com/office/powerpoint/2010/main" val="2667140810"/>
       </p:ext>
     </p:extLst>
   </p:cSld>
@@ -1719,7 +1726,7 @@
           <a:p>
             <a:fld id="{9643A371-6A82-48AF-B1C0-FEA4CD1D8C64}" type="datetimeFigureOut">
               <a:rPr lang="en-US" smtClean="0"/>
-              <a:t>3/9/2023</a:t>
+              <a:t>3/10/2023</a:t>
             </a:fld>
             <a:endParaRPr lang="en-US"/>
           </a:p>
@@ -1770,7 +1777,7 @@
     </p:spTree>
     <p:extLst>
       <p:ext uri="{BB962C8B-B14F-4D97-AF65-F5344CB8AC3E}">
-        <p14:creationId xmlns:p14="http://schemas.microsoft.com/office/powerpoint/2010/main" val="2845157660"/>
+        <p14:creationId xmlns:p14="http://schemas.microsoft.com/office/powerpoint/2010/main" val="1878293967"/>
       </p:ext>
     </p:extLst>
   </p:cSld>
@@ -1814,7 +1821,7 @@
           <a:p>
             <a:fld id="{9643A371-6A82-48AF-B1C0-FEA4CD1D8C64}" type="datetimeFigureOut">
               <a:rPr lang="en-US" smtClean="0"/>
-              <a:t>3/9/2023</a:t>
+              <a:t>3/10/2023</a:t>
             </a:fld>
             <a:endParaRPr lang="en-US"/>
           </a:p>
@@ -1865,7 +1872,7 @@
     </p:spTree>
     <p:extLst>
       <p:ext uri="{BB962C8B-B14F-4D97-AF65-F5344CB8AC3E}">
-        <p14:creationId xmlns:p14="http://schemas.microsoft.com/office/powerpoint/2010/main" val="3115497411"/>
+        <p14:creationId xmlns:p14="http://schemas.microsoft.com/office/powerpoint/2010/main" val="3924866773"/>
       </p:ext>
     </p:extLst>
   </p:cSld>
@@ -1904,15 +1911,15 @@
         </p:nvSpPr>
         <p:spPr>
           <a:xfrm>
-            <a:off x="341383" y="221298"/>
-            <a:ext cx="1598495" cy="774541"/>
+            <a:off x="341383" y="195051"/>
+            <a:ext cx="1598495" cy="682678"/>
           </a:xfrm>
         </p:spPr>
         <p:txBody>
           <a:bodyPr anchor="b"/>
           <a:lstStyle>
             <a:lvl1pPr>
-              <a:defRPr sz="1549"/>
+              <a:defRPr sz="1301"/>
             </a:lvl1pPr>
           </a:lstStyle>
           <a:p>
@@ -1936,39 +1943,39 @@
         </p:nvSpPr>
         <p:spPr>
           <a:xfrm>
-            <a:off x="2107020" y="477942"/>
-            <a:ext cx="2509064" cy="2358970"/>
+            <a:off x="2107020" y="421256"/>
+            <a:ext cx="2509064" cy="2079188"/>
           </a:xfrm>
         </p:spPr>
         <p:txBody>
           <a:bodyPr/>
           <a:lstStyle>
             <a:lvl1pPr>
-              <a:defRPr sz="1549"/>
+              <a:defRPr sz="1301"/>
             </a:lvl1pPr>
             <a:lvl2pPr>
-              <a:defRPr sz="1355"/>
+              <a:defRPr sz="1138"/>
             </a:lvl2pPr>
             <a:lvl3pPr>
-              <a:defRPr sz="1162"/>
+              <a:defRPr sz="976"/>
             </a:lvl3pPr>
             <a:lvl4pPr>
-              <a:defRPr sz="968"/>
+              <a:defRPr sz="813"/>
             </a:lvl4pPr>
             <a:lvl5pPr>
-              <a:defRPr sz="968"/>
+              <a:defRPr sz="813"/>
             </a:lvl5pPr>
             <a:lvl6pPr>
-              <a:defRPr sz="968"/>
+              <a:defRPr sz="813"/>
             </a:lvl6pPr>
             <a:lvl7pPr>
-              <a:defRPr sz="968"/>
+              <a:defRPr sz="813"/>
             </a:lvl7pPr>
             <a:lvl8pPr>
-              <a:defRPr sz="968"/>
+              <a:defRPr sz="813"/>
             </a:lvl8pPr>
             <a:lvl9pPr>
-              <a:defRPr sz="968"/>
+              <a:defRPr sz="813"/>
             </a:lvl9pPr>
           </a:lstStyle>
           <a:p>
@@ -2021,8 +2028,8 @@
         </p:nvSpPr>
         <p:spPr>
           <a:xfrm>
-            <a:off x="341383" y="995839"/>
-            <a:ext cx="1598495" cy="1844915"/>
+            <a:off x="341383" y="877729"/>
+            <a:ext cx="1598495" cy="1626101"/>
           </a:xfrm>
         </p:spPr>
         <p:txBody>
@@ -2030,39 +2037,39 @@
           <a:lstStyle>
             <a:lvl1pPr marL="0" indent="0">
               <a:buNone/>
-              <a:defRPr sz="774"/>
+              <a:defRPr sz="650"/>
             </a:lvl1pPr>
-            <a:lvl2pPr marL="221285" indent="0">
-              <a:buNone/>
-              <a:defRPr sz="678"/>
+            <a:lvl2pPr marL="185852" indent="0">
+              <a:buNone/>
+              <a:defRPr sz="569"/>
             </a:lvl2pPr>
-            <a:lvl3pPr marL="442570" indent="0">
-              <a:buNone/>
-              <a:defRPr sz="581"/>
+            <a:lvl3pPr marL="371704" indent="0">
+              <a:buNone/>
+              <a:defRPr sz="488"/>
             </a:lvl3pPr>
-            <a:lvl4pPr marL="663854" indent="0">
-              <a:buNone/>
-              <a:defRPr sz="484"/>
+            <a:lvl4pPr marL="557555" indent="0">
+              <a:buNone/>
+              <a:defRPr sz="407"/>
             </a:lvl4pPr>
-            <a:lvl5pPr marL="885139" indent="0">
-              <a:buNone/>
-              <a:defRPr sz="484"/>
+            <a:lvl5pPr marL="743407" indent="0">
+              <a:buNone/>
+              <a:defRPr sz="407"/>
             </a:lvl5pPr>
-            <a:lvl6pPr marL="1106424" indent="0">
-              <a:buNone/>
-              <a:defRPr sz="484"/>
+            <a:lvl6pPr marL="929259" indent="0">
+              <a:buNone/>
+              <a:defRPr sz="407"/>
             </a:lvl6pPr>
-            <a:lvl7pPr marL="1327709" indent="0">
-              <a:buNone/>
-              <a:defRPr sz="484"/>
+            <a:lvl7pPr marL="1115111" indent="0">
+              <a:buNone/>
+              <a:defRPr sz="407"/>
             </a:lvl7pPr>
-            <a:lvl8pPr marL="1548994" indent="0">
-              <a:buNone/>
-              <a:defRPr sz="484"/>
+            <a:lvl8pPr marL="1300963" indent="0">
+              <a:buNone/>
+              <a:defRPr sz="407"/>
             </a:lvl8pPr>
-            <a:lvl9pPr marL="1770278" indent="0">
-              <a:buNone/>
-              <a:defRPr sz="484"/>
+            <a:lvl9pPr marL="1486814" indent="0">
+              <a:buNone/>
+              <a:defRPr sz="407"/>
             </a:lvl9pPr>
           </a:lstStyle>
           <a:p>
@@ -2091,7 +2098,7 @@
           <a:p>
             <a:fld id="{9643A371-6A82-48AF-B1C0-FEA4CD1D8C64}" type="datetimeFigureOut">
               <a:rPr lang="en-US" smtClean="0"/>
-              <a:t>3/9/2023</a:t>
+              <a:t>3/10/2023</a:t>
             </a:fld>
             <a:endParaRPr lang="en-US"/>
           </a:p>
@@ -2142,7 +2149,7 @@
     </p:spTree>
     <p:extLst>
       <p:ext uri="{BB962C8B-B14F-4D97-AF65-F5344CB8AC3E}">
-        <p14:creationId xmlns:p14="http://schemas.microsoft.com/office/powerpoint/2010/main" val="2113917845"/>
+        <p14:creationId xmlns:p14="http://schemas.microsoft.com/office/powerpoint/2010/main" val="2044125410"/>
       </p:ext>
     </p:extLst>
   </p:cSld>
@@ -2181,15 +2188,15 @@
         </p:nvSpPr>
         <p:spPr>
           <a:xfrm>
-            <a:off x="341383" y="221298"/>
-            <a:ext cx="1598495" cy="774541"/>
+            <a:off x="341383" y="195051"/>
+            <a:ext cx="1598495" cy="682678"/>
           </a:xfrm>
         </p:spPr>
         <p:txBody>
           <a:bodyPr anchor="b"/>
           <a:lstStyle>
             <a:lvl1pPr>
-              <a:defRPr sz="1549"/>
+              <a:defRPr sz="1301"/>
             </a:lvl1pPr>
           </a:lstStyle>
           <a:p>
@@ -2213,8 +2220,8 @@
         </p:nvSpPr>
         <p:spPr>
           <a:xfrm>
-            <a:off x="2107020" y="477942"/>
-            <a:ext cx="2509064" cy="2358970"/>
+            <a:off x="2107020" y="421256"/>
+            <a:ext cx="2509064" cy="2079188"/>
           </a:xfrm>
         </p:spPr>
         <p:txBody>
@@ -2222,39 +2229,39 @@
           <a:lstStyle>
             <a:lvl1pPr marL="0" indent="0">
               <a:buNone/>
-              <a:defRPr sz="1549"/>
+              <a:defRPr sz="1301"/>
             </a:lvl1pPr>
-            <a:lvl2pPr marL="221285" indent="0">
-              <a:buNone/>
-              <a:defRPr sz="1355"/>
+            <a:lvl2pPr marL="185852" indent="0">
+              <a:buNone/>
+              <a:defRPr sz="1138"/>
             </a:lvl2pPr>
-            <a:lvl3pPr marL="442570" indent="0">
-              <a:buNone/>
-              <a:defRPr sz="1162"/>
+            <a:lvl3pPr marL="371704" indent="0">
+              <a:buNone/>
+              <a:defRPr sz="976"/>
             </a:lvl3pPr>
-            <a:lvl4pPr marL="663854" indent="0">
-              <a:buNone/>
-              <a:defRPr sz="968"/>
+            <a:lvl4pPr marL="557555" indent="0">
+              <a:buNone/>
+              <a:defRPr sz="813"/>
             </a:lvl4pPr>
-            <a:lvl5pPr marL="885139" indent="0">
-              <a:buNone/>
-              <a:defRPr sz="968"/>
+            <a:lvl5pPr marL="743407" indent="0">
+              <a:buNone/>
+              <a:defRPr sz="813"/>
             </a:lvl5pPr>
-            <a:lvl6pPr marL="1106424" indent="0">
-              <a:buNone/>
-              <a:defRPr sz="968"/>
+            <a:lvl6pPr marL="929259" indent="0">
+              <a:buNone/>
+              <a:defRPr sz="813"/>
             </a:lvl6pPr>
-            <a:lvl7pPr marL="1327709" indent="0">
-              <a:buNone/>
-              <a:defRPr sz="968"/>
+            <a:lvl7pPr marL="1115111" indent="0">
+              <a:buNone/>
+              <a:defRPr sz="813"/>
             </a:lvl7pPr>
-            <a:lvl8pPr marL="1548994" indent="0">
-              <a:buNone/>
-              <a:defRPr sz="968"/>
+            <a:lvl8pPr marL="1300963" indent="0">
+              <a:buNone/>
+              <a:defRPr sz="813"/>
             </a:lvl8pPr>
-            <a:lvl9pPr marL="1770278" indent="0">
-              <a:buNone/>
-              <a:defRPr sz="968"/>
+            <a:lvl9pPr marL="1486814" indent="0">
+              <a:buNone/>
+              <a:defRPr sz="813"/>
             </a:lvl9pPr>
           </a:lstStyle>
           <a:p>
@@ -2278,8 +2285,8 @@
         </p:nvSpPr>
         <p:spPr>
           <a:xfrm>
-            <a:off x="341383" y="995839"/>
-            <a:ext cx="1598495" cy="1844915"/>
+            <a:off x="341383" y="877729"/>
+            <a:ext cx="1598495" cy="1626101"/>
           </a:xfrm>
         </p:spPr>
         <p:txBody>
@@ -2287,39 +2294,39 @@
           <a:lstStyle>
             <a:lvl1pPr marL="0" indent="0">
               <a:buNone/>
-              <a:defRPr sz="774"/>
+              <a:defRPr sz="650"/>
             </a:lvl1pPr>
-            <a:lvl2pPr marL="221285" indent="0">
-              <a:buNone/>
-              <a:defRPr sz="678"/>
+            <a:lvl2pPr marL="185852" indent="0">
+              <a:buNone/>
+              <a:defRPr sz="569"/>
             </a:lvl2pPr>
-            <a:lvl3pPr marL="442570" indent="0">
-              <a:buNone/>
-              <a:defRPr sz="581"/>
+            <a:lvl3pPr marL="371704" indent="0">
+              <a:buNone/>
+              <a:defRPr sz="488"/>
             </a:lvl3pPr>
-            <a:lvl4pPr marL="663854" indent="0">
-              <a:buNone/>
-              <a:defRPr sz="484"/>
+            <a:lvl4pPr marL="557555" indent="0">
+              <a:buNone/>
+              <a:defRPr sz="407"/>
             </a:lvl4pPr>
-            <a:lvl5pPr marL="885139" indent="0">
-              <a:buNone/>
-              <a:defRPr sz="484"/>
+            <a:lvl5pPr marL="743407" indent="0">
+              <a:buNone/>
+              <a:defRPr sz="407"/>
             </a:lvl5pPr>
-            <a:lvl6pPr marL="1106424" indent="0">
-              <a:buNone/>
-              <a:defRPr sz="484"/>
+            <a:lvl6pPr marL="929259" indent="0">
+              <a:buNone/>
+              <a:defRPr sz="407"/>
             </a:lvl6pPr>
-            <a:lvl7pPr marL="1327709" indent="0">
-              <a:buNone/>
-              <a:defRPr sz="484"/>
+            <a:lvl7pPr marL="1115111" indent="0">
+              <a:buNone/>
+              <a:defRPr sz="407"/>
             </a:lvl7pPr>
-            <a:lvl8pPr marL="1548994" indent="0">
-              <a:buNone/>
-              <a:defRPr sz="484"/>
+            <a:lvl8pPr marL="1300963" indent="0">
+              <a:buNone/>
+              <a:defRPr sz="407"/>
             </a:lvl8pPr>
-            <a:lvl9pPr marL="1770278" indent="0">
-              <a:buNone/>
-              <a:defRPr sz="484"/>
+            <a:lvl9pPr marL="1486814" indent="0">
+              <a:buNone/>
+              <a:defRPr sz="407"/>
             </a:lvl9pPr>
           </a:lstStyle>
           <a:p>
@@ -2348,7 +2355,7 @@
           <a:p>
             <a:fld id="{9643A371-6A82-48AF-B1C0-FEA4CD1D8C64}" type="datetimeFigureOut">
               <a:rPr lang="en-US" smtClean="0"/>
-              <a:t>3/9/2023</a:t>
+              <a:t>3/10/2023</a:t>
             </a:fld>
             <a:endParaRPr lang="en-US"/>
           </a:p>
@@ -2399,7 +2406,7 @@
     </p:spTree>
     <p:extLst>
       <p:ext uri="{BB962C8B-B14F-4D97-AF65-F5344CB8AC3E}">
-        <p14:creationId xmlns:p14="http://schemas.microsoft.com/office/powerpoint/2010/main" val="2219878482"/>
+        <p14:creationId xmlns:p14="http://schemas.microsoft.com/office/powerpoint/2010/main" val="3161201592"/>
       </p:ext>
     </p:extLst>
   </p:cSld>
@@ -2443,8 +2450,8 @@
         </p:nvSpPr>
         <p:spPr>
           <a:xfrm>
-            <a:off x="340737" y="176732"/>
-            <a:ext cx="4274701" cy="641609"/>
+            <a:off x="340737" y="155770"/>
+            <a:ext cx="4274701" cy="565512"/>
           </a:xfrm>
           <a:prstGeom prst="rect">
             <a:avLst/>
@@ -2476,8 +2483,8 @@
         </p:nvSpPr>
         <p:spPr>
           <a:xfrm>
-            <a:off x="340737" y="883653"/>
-            <a:ext cx="4274701" cy="2106169"/>
+            <a:off x="340737" y="778849"/>
+            <a:ext cx="4274701" cy="1856370"/>
           </a:xfrm>
           <a:prstGeom prst="rect">
             <a:avLst/>
@@ -2538,8 +2545,8 @@
         </p:nvSpPr>
         <p:spPr>
           <a:xfrm>
-            <a:off x="340737" y="3076651"/>
-            <a:ext cx="1115139" cy="176731"/>
+            <a:off x="340737" y="2711749"/>
+            <a:ext cx="1115139" cy="155770"/>
           </a:xfrm>
           <a:prstGeom prst="rect">
             <a:avLst/>
@@ -2549,7 +2556,7 @@
           <a:bodyPr vert="horz" lIns="91440" tIns="45720" rIns="91440" bIns="45720" rtlCol="0" anchor="ctr"/>
           <a:lstStyle>
             <a:lvl1pPr algn="l">
-              <a:defRPr sz="581">
+              <a:defRPr sz="488">
                 <a:solidFill>
                   <a:schemeClr val="tx1">
                     <a:tint val="75000"/>
@@ -2561,7 +2568,7 @@
           <a:p>
             <a:fld id="{9643A371-6A82-48AF-B1C0-FEA4CD1D8C64}" type="datetimeFigureOut">
               <a:rPr lang="en-US" smtClean="0"/>
-              <a:t>3/9/2023</a:t>
+              <a:t>3/10/2023</a:t>
             </a:fld>
             <a:endParaRPr lang="en-US"/>
           </a:p>
@@ -2579,8 +2586,8 @@
         </p:nvSpPr>
         <p:spPr>
           <a:xfrm>
-            <a:off x="1641733" y="3076651"/>
-            <a:ext cx="1672709" cy="176731"/>
+            <a:off x="1641733" y="2711749"/>
+            <a:ext cx="1672709" cy="155770"/>
           </a:xfrm>
           <a:prstGeom prst="rect">
             <a:avLst/>
@@ -2590,7 +2597,7 @@
           <a:bodyPr vert="horz" lIns="91440" tIns="45720" rIns="91440" bIns="45720" rtlCol="0" anchor="ctr"/>
           <a:lstStyle>
             <a:lvl1pPr algn="ctr">
-              <a:defRPr sz="581">
+              <a:defRPr sz="488">
                 <a:solidFill>
                   <a:schemeClr val="tx1">
                     <a:tint val="75000"/>
@@ -2616,8 +2623,8 @@
         </p:nvSpPr>
         <p:spPr>
           <a:xfrm>
-            <a:off x="3500299" y="3076651"/>
-            <a:ext cx="1115139" cy="176731"/>
+            <a:off x="3500299" y="2711749"/>
+            <a:ext cx="1115139" cy="155770"/>
           </a:xfrm>
           <a:prstGeom prst="rect">
             <a:avLst/>
@@ -2627,7 +2634,7 @@
           <a:bodyPr vert="horz" lIns="91440" tIns="45720" rIns="91440" bIns="45720" rtlCol="0" anchor="ctr"/>
           <a:lstStyle>
             <a:lvl1pPr algn="r">
-              <a:defRPr sz="581">
+              <a:defRPr sz="488">
                 <a:solidFill>
                   <a:schemeClr val="tx1">
                     <a:tint val="75000"/>
@@ -2648,27 +2655,27 @@
     </p:spTree>
     <p:extLst>
       <p:ext uri="{BB962C8B-B14F-4D97-AF65-F5344CB8AC3E}">
-        <p14:creationId xmlns:p14="http://schemas.microsoft.com/office/powerpoint/2010/main" val="4025600264"/>
+        <p14:creationId xmlns:p14="http://schemas.microsoft.com/office/powerpoint/2010/main" val="3053496460"/>
       </p:ext>
     </p:extLst>
   </p:cSld>
   <p:clrMap bg1="lt1" tx1="dk1" bg2="lt2" tx2="dk2" accent1="accent1" accent2="accent2" accent3="accent3" accent4="accent4" accent5="accent5" accent6="accent6" hlink="hlink" folHlink="folHlink"/>
   <p:sldLayoutIdLst>
-    <p:sldLayoutId id="2147483661" r:id="rId1"/>
-    <p:sldLayoutId id="2147483662" r:id="rId2"/>
-    <p:sldLayoutId id="2147483663" r:id="rId3"/>
-    <p:sldLayoutId id="2147483664" r:id="rId4"/>
-    <p:sldLayoutId id="2147483665" r:id="rId5"/>
-    <p:sldLayoutId id="2147483666" r:id="rId6"/>
-    <p:sldLayoutId id="2147483667" r:id="rId7"/>
-    <p:sldLayoutId id="2147483668" r:id="rId8"/>
-    <p:sldLayoutId id="2147483669" r:id="rId9"/>
-    <p:sldLayoutId id="2147483670" r:id="rId10"/>
-    <p:sldLayoutId id="2147483671" r:id="rId11"/>
+    <p:sldLayoutId id="2147483673" r:id="rId1"/>
+    <p:sldLayoutId id="2147483674" r:id="rId2"/>
+    <p:sldLayoutId id="2147483675" r:id="rId3"/>
+    <p:sldLayoutId id="2147483676" r:id="rId4"/>
+    <p:sldLayoutId id="2147483677" r:id="rId5"/>
+    <p:sldLayoutId id="2147483678" r:id="rId6"/>
+    <p:sldLayoutId id="2147483679" r:id="rId7"/>
+    <p:sldLayoutId id="2147483680" r:id="rId8"/>
+    <p:sldLayoutId id="2147483681" r:id="rId9"/>
+    <p:sldLayoutId id="2147483682" r:id="rId10"/>
+    <p:sldLayoutId id="2147483683" r:id="rId11"/>
   </p:sldLayoutIdLst>
   <p:txStyles>
     <p:titleStyle>
-      <a:lvl1pPr algn="l" defTabSz="442570" rtl="0" eaLnBrk="1" latinLnBrk="0" hangingPunct="1">
+      <a:lvl1pPr algn="l" defTabSz="371704" rtl="0" eaLnBrk="1" latinLnBrk="0" hangingPunct="1">
         <a:lnSpc>
           <a:spcPct val="90000"/>
         </a:lnSpc>
@@ -2676,7 +2683,7 @@
           <a:spcPct val="0"/>
         </a:spcBef>
         <a:buNone/>
-        <a:defRPr sz="2130" kern="1200">
+        <a:defRPr sz="1789" kern="1200">
           <a:solidFill>
             <a:schemeClr val="tx1"/>
           </a:solidFill>
@@ -2687,16 +2694,16 @@
       </a:lvl1pPr>
     </p:titleStyle>
     <p:bodyStyle>
-      <a:lvl1pPr marL="110642" indent="-110642" algn="l" defTabSz="442570" rtl="0" eaLnBrk="1" latinLnBrk="0" hangingPunct="1">
+      <a:lvl1pPr marL="92926" indent="-92926" algn="l" defTabSz="371704" rtl="0" eaLnBrk="1" latinLnBrk="0" hangingPunct="1">
         <a:lnSpc>
           <a:spcPct val="90000"/>
         </a:lnSpc>
         <a:spcBef>
-          <a:spcPts val="484"/>
+          <a:spcPts val="407"/>
         </a:spcBef>
         <a:buFont typeface="Arial" panose="020B0604020202020204" pitchFamily="34" charset="0"/>
         <a:buChar char="•"/>
-        <a:defRPr sz="1355" kern="1200">
+        <a:defRPr sz="1138" kern="1200">
           <a:solidFill>
             <a:schemeClr val="tx1"/>
           </a:solidFill>
@@ -2705,16 +2712,16 @@
           <a:cs typeface="+mn-cs"/>
         </a:defRPr>
       </a:lvl1pPr>
-      <a:lvl2pPr marL="331927" indent="-110642" algn="l" defTabSz="442570" rtl="0" eaLnBrk="1" latinLnBrk="0" hangingPunct="1">
+      <a:lvl2pPr marL="278778" indent="-92926" algn="l" defTabSz="371704" rtl="0" eaLnBrk="1" latinLnBrk="0" hangingPunct="1">
         <a:lnSpc>
           <a:spcPct val="90000"/>
         </a:lnSpc>
         <a:spcBef>
-          <a:spcPts val="242"/>
+          <a:spcPts val="203"/>
         </a:spcBef>
         <a:buFont typeface="Arial" panose="020B0604020202020204" pitchFamily="34" charset="0"/>
         <a:buChar char="•"/>
-        <a:defRPr sz="1162" kern="1200">
+        <a:defRPr sz="976" kern="1200">
           <a:solidFill>
             <a:schemeClr val="tx1"/>
           </a:solidFill>
@@ -2723,16 +2730,16 @@
           <a:cs typeface="+mn-cs"/>
         </a:defRPr>
       </a:lvl2pPr>
-      <a:lvl3pPr marL="553212" indent="-110642" algn="l" defTabSz="442570" rtl="0" eaLnBrk="1" latinLnBrk="0" hangingPunct="1">
+      <a:lvl3pPr marL="464630" indent="-92926" algn="l" defTabSz="371704" rtl="0" eaLnBrk="1" latinLnBrk="0" hangingPunct="1">
         <a:lnSpc>
           <a:spcPct val="90000"/>
         </a:lnSpc>
         <a:spcBef>
-          <a:spcPts val="242"/>
+          <a:spcPts val="203"/>
         </a:spcBef>
         <a:buFont typeface="Arial" panose="020B0604020202020204" pitchFamily="34" charset="0"/>
         <a:buChar char="•"/>
-        <a:defRPr sz="968" kern="1200">
+        <a:defRPr sz="813" kern="1200">
           <a:solidFill>
             <a:schemeClr val="tx1"/>
           </a:solidFill>
@@ -2741,16 +2748,16 @@
           <a:cs typeface="+mn-cs"/>
         </a:defRPr>
       </a:lvl3pPr>
-      <a:lvl4pPr marL="774497" indent="-110642" algn="l" defTabSz="442570" rtl="0" eaLnBrk="1" latinLnBrk="0" hangingPunct="1">
+      <a:lvl4pPr marL="650481" indent="-92926" algn="l" defTabSz="371704" rtl="0" eaLnBrk="1" latinLnBrk="0" hangingPunct="1">
         <a:lnSpc>
           <a:spcPct val="90000"/>
         </a:lnSpc>
         <a:spcBef>
-          <a:spcPts val="242"/>
+          <a:spcPts val="203"/>
         </a:spcBef>
         <a:buFont typeface="Arial" panose="020B0604020202020204" pitchFamily="34" charset="0"/>
         <a:buChar char="•"/>
-        <a:defRPr sz="871" kern="1200">
+        <a:defRPr sz="732" kern="1200">
           <a:solidFill>
             <a:schemeClr val="tx1"/>
           </a:solidFill>
@@ -2759,16 +2766,16 @@
           <a:cs typeface="+mn-cs"/>
         </a:defRPr>
       </a:lvl4pPr>
-      <a:lvl5pPr marL="995782" indent="-110642" algn="l" defTabSz="442570" rtl="0" eaLnBrk="1" latinLnBrk="0" hangingPunct="1">
+      <a:lvl5pPr marL="836333" indent="-92926" algn="l" defTabSz="371704" rtl="0" eaLnBrk="1" latinLnBrk="0" hangingPunct="1">
         <a:lnSpc>
           <a:spcPct val="90000"/>
         </a:lnSpc>
         <a:spcBef>
-          <a:spcPts val="242"/>
+          <a:spcPts val="203"/>
         </a:spcBef>
         <a:buFont typeface="Arial" panose="020B0604020202020204" pitchFamily="34" charset="0"/>
         <a:buChar char="•"/>
-        <a:defRPr sz="871" kern="1200">
+        <a:defRPr sz="732" kern="1200">
           <a:solidFill>
             <a:schemeClr val="tx1"/>
           </a:solidFill>
@@ -2777,16 +2784,16 @@
           <a:cs typeface="+mn-cs"/>
         </a:defRPr>
       </a:lvl5pPr>
-      <a:lvl6pPr marL="1217066" indent="-110642" algn="l" defTabSz="442570" rtl="0" eaLnBrk="1" latinLnBrk="0" hangingPunct="1">
+      <a:lvl6pPr marL="1022185" indent="-92926" algn="l" defTabSz="371704" rtl="0" eaLnBrk="1" latinLnBrk="0" hangingPunct="1">
         <a:lnSpc>
           <a:spcPct val="90000"/>
         </a:lnSpc>
         <a:spcBef>
-          <a:spcPts val="242"/>
+          <a:spcPts val="203"/>
         </a:spcBef>
         <a:buFont typeface="Arial" panose="020B0604020202020204" pitchFamily="34" charset="0"/>
         <a:buChar char="•"/>
-        <a:defRPr sz="871" kern="1200">
+        <a:defRPr sz="732" kern="1200">
           <a:solidFill>
             <a:schemeClr val="tx1"/>
           </a:solidFill>
@@ -2795,16 +2802,16 @@
           <a:cs typeface="+mn-cs"/>
         </a:defRPr>
       </a:lvl6pPr>
-      <a:lvl7pPr marL="1438351" indent="-110642" algn="l" defTabSz="442570" rtl="0" eaLnBrk="1" latinLnBrk="0" hangingPunct="1">
+      <a:lvl7pPr marL="1208037" indent="-92926" algn="l" defTabSz="371704" rtl="0" eaLnBrk="1" latinLnBrk="0" hangingPunct="1">
         <a:lnSpc>
           <a:spcPct val="90000"/>
         </a:lnSpc>
         <a:spcBef>
-          <a:spcPts val="242"/>
+          <a:spcPts val="203"/>
         </a:spcBef>
         <a:buFont typeface="Arial" panose="020B0604020202020204" pitchFamily="34" charset="0"/>
         <a:buChar char="•"/>
-        <a:defRPr sz="871" kern="1200">
+        <a:defRPr sz="732" kern="1200">
           <a:solidFill>
             <a:schemeClr val="tx1"/>
           </a:solidFill>
@@ -2813,16 +2820,16 @@
           <a:cs typeface="+mn-cs"/>
         </a:defRPr>
       </a:lvl7pPr>
-      <a:lvl8pPr marL="1659636" indent="-110642" algn="l" defTabSz="442570" rtl="0" eaLnBrk="1" latinLnBrk="0" hangingPunct="1">
+      <a:lvl8pPr marL="1393889" indent="-92926" algn="l" defTabSz="371704" rtl="0" eaLnBrk="1" latinLnBrk="0" hangingPunct="1">
         <a:lnSpc>
           <a:spcPct val="90000"/>
         </a:lnSpc>
         <a:spcBef>
-          <a:spcPts val="242"/>
+          <a:spcPts val="203"/>
         </a:spcBef>
         <a:buFont typeface="Arial" panose="020B0604020202020204" pitchFamily="34" charset="0"/>
         <a:buChar char="•"/>
-        <a:defRPr sz="871" kern="1200">
+        <a:defRPr sz="732" kern="1200">
           <a:solidFill>
             <a:schemeClr val="tx1"/>
           </a:solidFill>
@@ -2831,16 +2838,16 @@
           <a:cs typeface="+mn-cs"/>
         </a:defRPr>
       </a:lvl8pPr>
-      <a:lvl9pPr marL="1880921" indent="-110642" algn="l" defTabSz="442570" rtl="0" eaLnBrk="1" latinLnBrk="0" hangingPunct="1">
+      <a:lvl9pPr marL="1579740" indent="-92926" algn="l" defTabSz="371704" rtl="0" eaLnBrk="1" latinLnBrk="0" hangingPunct="1">
         <a:lnSpc>
           <a:spcPct val="90000"/>
         </a:lnSpc>
         <a:spcBef>
-          <a:spcPts val="242"/>
+          <a:spcPts val="203"/>
         </a:spcBef>
         <a:buFont typeface="Arial" panose="020B0604020202020204" pitchFamily="34" charset="0"/>
         <a:buChar char="•"/>
-        <a:defRPr sz="871" kern="1200">
+        <a:defRPr sz="732" kern="1200">
           <a:solidFill>
             <a:schemeClr val="tx1"/>
           </a:solidFill>
@@ -2854,8 +2861,8 @@
       <a:defPPr>
         <a:defRPr lang="en-US"/>
       </a:defPPr>
-      <a:lvl1pPr marL="0" algn="l" defTabSz="442570" rtl="0" eaLnBrk="1" latinLnBrk="0" hangingPunct="1">
-        <a:defRPr sz="871" kern="1200">
+      <a:lvl1pPr marL="0" algn="l" defTabSz="371704" rtl="0" eaLnBrk="1" latinLnBrk="0" hangingPunct="1">
+        <a:defRPr sz="732" kern="1200">
           <a:solidFill>
             <a:schemeClr val="tx1"/>
           </a:solidFill>
@@ -2864,8 +2871,8 @@
           <a:cs typeface="+mn-cs"/>
         </a:defRPr>
       </a:lvl1pPr>
-      <a:lvl2pPr marL="221285" algn="l" defTabSz="442570" rtl="0" eaLnBrk="1" latinLnBrk="0" hangingPunct="1">
-        <a:defRPr sz="871" kern="1200">
+      <a:lvl2pPr marL="185852" algn="l" defTabSz="371704" rtl="0" eaLnBrk="1" latinLnBrk="0" hangingPunct="1">
+        <a:defRPr sz="732" kern="1200">
           <a:solidFill>
             <a:schemeClr val="tx1"/>
           </a:solidFill>
@@ -2874,8 +2881,8 @@
           <a:cs typeface="+mn-cs"/>
         </a:defRPr>
       </a:lvl2pPr>
-      <a:lvl3pPr marL="442570" algn="l" defTabSz="442570" rtl="0" eaLnBrk="1" latinLnBrk="0" hangingPunct="1">
-        <a:defRPr sz="871" kern="1200">
+      <a:lvl3pPr marL="371704" algn="l" defTabSz="371704" rtl="0" eaLnBrk="1" latinLnBrk="0" hangingPunct="1">
+        <a:defRPr sz="732" kern="1200">
           <a:solidFill>
             <a:schemeClr val="tx1"/>
           </a:solidFill>
@@ -2884,8 +2891,8 @@
           <a:cs typeface="+mn-cs"/>
         </a:defRPr>
       </a:lvl3pPr>
-      <a:lvl4pPr marL="663854" algn="l" defTabSz="442570" rtl="0" eaLnBrk="1" latinLnBrk="0" hangingPunct="1">
-        <a:defRPr sz="871" kern="1200">
+      <a:lvl4pPr marL="557555" algn="l" defTabSz="371704" rtl="0" eaLnBrk="1" latinLnBrk="0" hangingPunct="1">
+        <a:defRPr sz="732" kern="1200">
           <a:solidFill>
             <a:schemeClr val="tx1"/>
           </a:solidFill>
@@ -2894,8 +2901,8 @@
           <a:cs typeface="+mn-cs"/>
         </a:defRPr>
       </a:lvl4pPr>
-      <a:lvl5pPr marL="885139" algn="l" defTabSz="442570" rtl="0" eaLnBrk="1" latinLnBrk="0" hangingPunct="1">
-        <a:defRPr sz="871" kern="1200">
+      <a:lvl5pPr marL="743407" algn="l" defTabSz="371704" rtl="0" eaLnBrk="1" latinLnBrk="0" hangingPunct="1">
+        <a:defRPr sz="732" kern="1200">
           <a:solidFill>
             <a:schemeClr val="tx1"/>
           </a:solidFill>
@@ -2904,8 +2911,8 @@
           <a:cs typeface="+mn-cs"/>
         </a:defRPr>
       </a:lvl5pPr>
-      <a:lvl6pPr marL="1106424" algn="l" defTabSz="442570" rtl="0" eaLnBrk="1" latinLnBrk="0" hangingPunct="1">
-        <a:defRPr sz="871" kern="1200">
+      <a:lvl6pPr marL="929259" algn="l" defTabSz="371704" rtl="0" eaLnBrk="1" latinLnBrk="0" hangingPunct="1">
+        <a:defRPr sz="732" kern="1200">
           <a:solidFill>
             <a:schemeClr val="tx1"/>
           </a:solidFill>
@@ -2914,8 +2921,8 @@
           <a:cs typeface="+mn-cs"/>
         </a:defRPr>
       </a:lvl6pPr>
-      <a:lvl7pPr marL="1327709" algn="l" defTabSz="442570" rtl="0" eaLnBrk="1" latinLnBrk="0" hangingPunct="1">
-        <a:defRPr sz="871" kern="1200">
+      <a:lvl7pPr marL="1115111" algn="l" defTabSz="371704" rtl="0" eaLnBrk="1" latinLnBrk="0" hangingPunct="1">
+        <a:defRPr sz="732" kern="1200">
           <a:solidFill>
             <a:schemeClr val="tx1"/>
           </a:solidFill>
@@ -2924,8 +2931,8 @@
           <a:cs typeface="+mn-cs"/>
         </a:defRPr>
       </a:lvl7pPr>
-      <a:lvl8pPr marL="1548994" algn="l" defTabSz="442570" rtl="0" eaLnBrk="1" latinLnBrk="0" hangingPunct="1">
-        <a:defRPr sz="871" kern="1200">
+      <a:lvl8pPr marL="1300963" algn="l" defTabSz="371704" rtl="0" eaLnBrk="1" latinLnBrk="0" hangingPunct="1">
+        <a:defRPr sz="732" kern="1200">
           <a:solidFill>
             <a:schemeClr val="tx1"/>
           </a:solidFill>
@@ -2934,8 +2941,8 @@
           <a:cs typeface="+mn-cs"/>
         </a:defRPr>
       </a:lvl8pPr>
-      <a:lvl9pPr marL="1770278" algn="l" defTabSz="442570" rtl="0" eaLnBrk="1" latinLnBrk="0" hangingPunct="1">
-        <a:defRPr sz="871" kern="1200">
+      <a:lvl9pPr marL="1486814" algn="l" defTabSz="371704" rtl="0" eaLnBrk="1" latinLnBrk="0" hangingPunct="1">
+        <a:defRPr sz="732" kern="1200">
           <a:solidFill>
             <a:schemeClr val="tx1"/>
           </a:solidFill>
@@ -2971,7 +2978,7 @@
           <p:cNvPr id="2" name="Title 1">
             <a:extLst>
               <a:ext uri="{FF2B5EF4-FFF2-40B4-BE49-F238E27FC236}">
-                <a16:creationId xmlns:a16="http://schemas.microsoft.com/office/drawing/2014/main" id="{A91F1298-636F-FC0E-EF3A-1619EF9AF9E7}"/>
+                <a16:creationId xmlns:a16="http://schemas.microsoft.com/office/drawing/2014/main" id="{7F02B45E-9076-A9D5-75A4-4E1469CEE91B}"/>
               </a:ext>
             </a:extLst>
           </p:cNvPr>
@@ -2979,24 +2986,24 @@
             <a:spLocks noGrp="1"/>
           </p:cNvSpPr>
           <p:nvPr>
-            <p:ph type="ctrTitle"/>
-          </p:nvPr>
-        </p:nvSpPr>
-        <p:spPr/>
-        <p:txBody>
-          <a:bodyPr/>
-          <a:lstStyle/>
-          <a:p>
-            <a:endParaRPr lang="en-US"/>
-          </a:p>
-        </p:txBody>
-      </p:sp>
-      <p:sp>
-        <p:nvSpPr>
-          <p:cNvPr id="3" name="Subtitle 2">
+            <p:ph type="title"/>
+          </p:nvPr>
+        </p:nvSpPr>
+        <p:spPr/>
+        <p:txBody>
+          <a:bodyPr/>
+          <a:lstStyle/>
+          <a:p>
+            <a:endParaRPr lang="en-US"/>
+          </a:p>
+        </p:txBody>
+      </p:sp>
+      <p:sp>
+        <p:nvSpPr>
+          <p:cNvPr id="3" name="Content Placeholder 2">
             <a:extLst>
               <a:ext uri="{FF2B5EF4-FFF2-40B4-BE49-F238E27FC236}">
-                <a16:creationId xmlns:a16="http://schemas.microsoft.com/office/drawing/2014/main" id="{378A563F-22E9-0E68-60CA-F117BBE892C3}"/>
+                <a16:creationId xmlns:a16="http://schemas.microsoft.com/office/drawing/2014/main" id="{1AD09FD4-345F-06DA-5802-7B0C21A2BB43}"/>
               </a:ext>
             </a:extLst>
           </p:cNvPr>
@@ -3004,7 +3011,7 @@
             <a:spLocks noGrp="1"/>
           </p:cNvSpPr>
           <p:nvPr>
-            <p:ph type="subTitle" idx="1"/>
+            <p:ph idx="1"/>
           </p:nvPr>
         </p:nvSpPr>
         <p:spPr/>
@@ -3018,11 +3025,11 @@
       </p:sp>
       <p:pic>
         <p:nvPicPr>
-          <p:cNvPr id="6" name="Screen Recording 5">
+          <p:cNvPr id="4" name="Screen Recording 4">
             <a:hlinkClick r:id="" action="ppaction://media"/>
             <a:extLst>
               <a:ext uri="{FF2B5EF4-FFF2-40B4-BE49-F238E27FC236}">
-                <a16:creationId xmlns:a16="http://schemas.microsoft.com/office/drawing/2014/main" id="{E73CCDBF-3F39-870A-0421-7CA86475B950}"/>
+                <a16:creationId xmlns:a16="http://schemas.microsoft.com/office/drawing/2014/main" id="{19337D80-9AC0-ECDA-326E-786675BF3E90}"/>
               </a:ext>
             </a:extLst>
           </p:cNvPr>
@@ -3046,67 +3053,18 @@
         </p:blipFill>
         <p:spPr>
           <a:xfrm>
-            <a:off x="1587" y="-2381"/>
-            <a:ext cx="4953000" cy="3322637"/>
+            <a:off x="0" y="0"/>
+            <a:ext cx="4956175" cy="2925763"/>
           </a:xfrm>
           <a:prstGeom prst="rect">
             <a:avLst/>
           </a:prstGeom>
         </p:spPr>
       </p:pic>
-      <p:sp>
-        <p:nvSpPr>
-          <p:cNvPr id="7" name="Rectangle: Rounded Corners 6">
-            <a:extLst>
-              <a:ext uri="{FF2B5EF4-FFF2-40B4-BE49-F238E27FC236}">
-                <a16:creationId xmlns:a16="http://schemas.microsoft.com/office/drawing/2014/main" id="{56BB6174-282B-4033-C5A5-FFE32D70EA52}"/>
-              </a:ext>
-            </a:extLst>
-          </p:cNvPr>
-          <p:cNvSpPr/>
-          <p:nvPr/>
-        </p:nvSpPr>
-        <p:spPr>
-          <a:xfrm>
-            <a:off x="3253667" y="2530319"/>
-            <a:ext cx="1227798" cy="402269"/>
-          </a:xfrm>
-          <a:prstGeom prst="roundRect">
-            <a:avLst/>
-          </a:prstGeom>
-        </p:spPr>
-        <p:style>
-          <a:lnRef idx="2">
-            <a:schemeClr val="accent3">
-              <a:shade val="50000"/>
-            </a:schemeClr>
-          </a:lnRef>
-          <a:fillRef idx="1">
-            <a:schemeClr val="accent3"/>
-          </a:fillRef>
-          <a:effectRef idx="0">
-            <a:schemeClr val="accent3"/>
-          </a:effectRef>
-          <a:fontRef idx="minor">
-            <a:schemeClr val="lt1"/>
-          </a:fontRef>
-        </p:style>
-        <p:txBody>
-          <a:bodyPr rtlCol="0" anchor="ctr"/>
-          <a:lstStyle/>
-          <a:p>
-            <a:pPr algn="ctr"/>
-            <a:r>
-              <a:rPr lang="en-US" dirty="0"/>
-              <a:t>Ctrl-Enter</a:t>
-            </a:r>
-          </a:p>
-        </p:txBody>
-      </p:sp>
     </p:spTree>
     <p:extLst>
       <p:ext uri="{BB962C8B-B14F-4D97-AF65-F5344CB8AC3E}">
-        <p14:creationId xmlns:p14="http://schemas.microsoft.com/office/powerpoint/2010/main" val="1820999732"/>
+        <p14:creationId xmlns:p14="http://schemas.microsoft.com/office/powerpoint/2010/main" val="827606756"/>
       </p:ext>
     </p:extLst>
   </p:cSld>
@@ -3125,9 +3083,6 @@
                     <p:cTn id="3" fill="hold">
                       <p:stCondLst>
                         <p:cond delay="indefinite"/>
-                        <p:cond evt="onBegin" delay="0">
-                          <p:tn val="2"/>
-                        </p:cond>
                       </p:stCondLst>
                       <p:childTnLst>
                         <p:par>
@@ -3137,127 +3092,19 @@
                             </p:stCondLst>
                             <p:childTnLst>
                               <p:par>
-                                <p:cTn id="5" presetID="1" presetClass="mediacall" presetSubtype="0" fill="hold" nodeType="withEffect">
+                                <p:cTn id="5" presetID="1" presetClass="mediacall" presetSubtype="0" fill="hold" nodeType="clickEffect">
                                   <p:stCondLst>
                                     <p:cond delay="0"/>
                                   </p:stCondLst>
                                   <p:childTnLst>
                                     <p:cmd type="call" cmd="playFrom(0.0)">
                                       <p:cBhvr>
-                                        <p:cTn id="6" dur="29324" fill="hold"/>
+                                        <p:cTn id="6" dur="15464" fill="hold"/>
                                         <p:tgtEl>
-                                          <p:spTgt spid="6"/>
+                                          <p:spTgt spid="4"/>
                                         </p:tgtEl>
                                       </p:cBhvr>
                                     </p:cmd>
-                                  </p:childTnLst>
-                                </p:cTn>
-                              </p:par>
-                              <p:par>
-                                <p:cTn id="7" presetID="1" presetClass="entr" presetSubtype="0" fill="hold" grpId="0" nodeType="withEffect">
-                                  <p:stCondLst>
-                                    <p:cond delay="13330"/>
-                                  </p:stCondLst>
-                                  <p:childTnLst>
-                                    <p:set>
-                                      <p:cBhvr>
-                                        <p:cTn id="8" dur="1" fill="hold">
-                                          <p:stCondLst>
-                                            <p:cond delay="0"/>
-                                          </p:stCondLst>
-                                        </p:cTn>
-                                        <p:tgtEl>
-                                          <p:spTgt spid="7"/>
-                                        </p:tgtEl>
-                                        <p:attrNameLst>
-                                          <p:attrName>style.visibility</p:attrName>
-                                        </p:attrNameLst>
-                                      </p:cBhvr>
-                                      <p:to>
-                                        <p:strVal val="visible"/>
-                                      </p:to>
-                                    </p:set>
-                                  </p:childTnLst>
-                                </p:cTn>
-                              </p:par>
-                              <p:par>
-                                <p:cTn id="9" presetID="1" presetClass="exit" presetSubtype="0" fill="hold" grpId="1" nodeType="withEffect">
-                                  <p:stCondLst>
-                                    <p:cond delay="15000"/>
-                                  </p:stCondLst>
-                                  <p:childTnLst>
-                                    <p:set>
-                                      <p:cBhvr>
-                                        <p:cTn id="10" dur="1" fill="hold">
-                                          <p:stCondLst>
-                                            <p:cond delay="0"/>
-                                          </p:stCondLst>
-                                        </p:cTn>
-                                        <p:tgtEl>
-                                          <p:spTgt spid="7"/>
-                                        </p:tgtEl>
-                                        <p:attrNameLst>
-                                          <p:attrName>style.visibility</p:attrName>
-                                        </p:attrNameLst>
-                                      </p:cBhvr>
-                                      <p:to>
-                                        <p:strVal val="hidden"/>
-                                      </p:to>
-                                    </p:set>
-                                  </p:childTnLst>
-                                </p:cTn>
-                              </p:par>
-                              <p:par>
-                                <p:cTn id="11" presetID="1" presetClass="entr" presetSubtype="0" fill="hold" grpId="2" nodeType="withEffect">
-                                  <p:stCondLst>
-                                    <p:cond delay="17300"/>
-                                  </p:stCondLst>
-                                  <p:childTnLst>
-                                    <p:set>
-                                      <p:cBhvr>
-                                        <p:cTn id="12" dur="1" fill="hold">
-                                          <p:stCondLst>
-                                            <p:cond delay="0"/>
-                                          </p:stCondLst>
-                                        </p:cTn>
-                                        <p:tgtEl>
-                                          <p:spTgt spid="7"/>
-                                        </p:tgtEl>
-                                        <p:attrNameLst>
-                                          <p:attrName>style.visibility</p:attrName>
-                                        </p:attrNameLst>
-                                      </p:cBhvr>
-                                      <p:to>
-                                        <p:strVal val="visible"/>
-                                      </p:to>
-                                    </p:set>
-                                  </p:childTnLst>
-                                </p:cTn>
-                              </p:par>
-                              <p:par>
-                                <p:cTn id="13" presetID="1" presetClass="exit" presetSubtype="0" fill="hold" grpId="3" nodeType="withEffect">
-                                  <p:stCondLst>
-                                    <p:cond delay="18300"/>
-                                  </p:stCondLst>
-                                  <p:childTnLst>
-                                    <p:set>
-                                      <p:cBhvr>
-                                        <p:cTn id="14" dur="1" fill="hold">
-                                          <p:stCondLst>
-                                            <p:cond delay="0"/>
-                                          </p:stCondLst>
-                                        </p:cTn>
-                                        <p:tgtEl>
-                                          <p:spTgt spid="7"/>
-                                        </p:tgtEl>
-                                        <p:attrNameLst>
-                                          <p:attrName>style.visibility</p:attrName>
-                                        </p:attrNameLst>
-                                      </p:cBhvr>
-                                      <p:to>
-                                        <p:strVal val="hidden"/>
-                                      </p:to>
-                                    </p:set>
                                   </p:childTnLst>
                                 </p:cTn>
                               </p:par>
@@ -3284,15 +3131,73 @@
                 </p:cond>
               </p:nextCondLst>
             </p:seq>
+            <p:seq concurrent="1" nextAc="seek">
+              <p:cTn id="7" restart="whenNotActive" fill="hold" evtFilter="cancelBubble" nodeType="interactiveSeq">
+                <p:stCondLst>
+                  <p:cond evt="onClick" delay="0">
+                    <p:tgtEl>
+                      <p:spTgt spid="4"/>
+                    </p:tgtEl>
+                  </p:cond>
+                </p:stCondLst>
+                <p:endSync evt="end" delay="0">
+                  <p:rtn val="all"/>
+                </p:endSync>
+                <p:childTnLst>
+                  <p:par>
+                    <p:cTn id="8" fill="hold">
+                      <p:stCondLst>
+                        <p:cond delay="0"/>
+                      </p:stCondLst>
+                      <p:childTnLst>
+                        <p:par>
+                          <p:cTn id="9" fill="hold">
+                            <p:stCondLst>
+                              <p:cond delay="0"/>
+                            </p:stCondLst>
+                            <p:childTnLst>
+                              <p:par>
+                                <p:cTn id="10" presetID="2" presetClass="mediacall" presetSubtype="0" fill="hold" nodeType="clickEffect">
+                                  <p:stCondLst>
+                                    <p:cond delay="0"/>
+                                  </p:stCondLst>
+                                  <p:childTnLst>
+                                    <p:cmd type="call" cmd="togglePause">
+                                      <p:cBhvr>
+                                        <p:cTn id="11" dur="1" fill="hold"/>
+                                        <p:tgtEl>
+                                          <p:spTgt spid="4"/>
+                                        </p:tgtEl>
+                                      </p:cBhvr>
+                                    </p:cmd>
+                                  </p:childTnLst>
+                                </p:cTn>
+                              </p:par>
+                            </p:childTnLst>
+                          </p:cTn>
+                        </p:par>
+                      </p:childTnLst>
+                    </p:cTn>
+                  </p:par>
+                </p:childTnLst>
+              </p:cTn>
+              <p:nextCondLst>
+                <p:cond evt="onClick" delay="0">
+                  <p:tgtEl>
+                    <p:spTgt spid="4"/>
+                  </p:tgtEl>
+                </p:cond>
+              </p:nextCondLst>
+            </p:seq>
             <p:video>
               <p:cMediaNode vol="80000">
-                <p:cTn id="15" fill="hold" display="0">
+                <p:cTn id="12" fill="hold" display="0">
                   <p:stCondLst>
                     <p:cond delay="indefinite"/>
                   </p:stCondLst>
                 </p:cTn>
                 <p:tgtEl>
-                  <p:spTgt spid="6"/>
+                  <p:spTgt spid="4"/>
                 </p:tgtEl>
               </p:cMediaNode>
             </p:video>
@@ -3300,12 +3205,6 @@
         </p:cTn>
       </p:par>
     </p:tnLst>
-    <p:bldLst>
-      <p:bldP spid="7" grpId="0" animBg="1"/>
-      <p:bldP spid="7" grpId="1" animBg="1"/>
-      <p:bldP spid="7" grpId="2" animBg="1"/>
-      <p:bldP spid="7" grpId="3" animBg="1"/>
-    </p:bldLst>
   </p:timing>
 </p:sld>
 </file>
